--- a/IBM区块链PPT.pptx
+++ b/IBM区块链PPT.pptx
@@ -16191,6 +16191,104 @@
               <a:ea typeface="微软雅黑" panose="020B0503020204020204" pitchFamily="34" charset="-122"/>
               <a:sym typeface="Arial" panose="020B0604020202020204" pitchFamily="34" charset="0"/>
             </a:endParaRPr>
+          </a:p>
+        </p:txBody>
+      </p:sp>
+      <p:sp>
+        <p:nvSpPr>
+          <p:cNvPr id="2" name="文本框 1">
+            <a:extLst>
+              <a:ext uri="{FF2B5EF4-FFF2-40B4-BE49-F238E27FC236}">
+                <a16:creationId xmlns:a16="http://schemas.microsoft.com/office/drawing/2014/main" id="{C822C2C3-CD7D-445F-A886-8479C579D81D}"/>
+              </a:ext>
+            </a:extLst>
+          </p:cNvPr>
+          <p:cNvSpPr txBox="1"/>
+          <p:nvPr/>
+        </p:nvSpPr>
+        <p:spPr>
+          <a:xfrm>
+            <a:off x="2859551" y="5326602"/>
+            <a:ext cx="5724644" cy="646331"/>
+          </a:xfrm>
+          <a:prstGeom prst="rect">
+            <a:avLst/>
+          </a:prstGeom>
+          <a:noFill/>
+        </p:spPr>
+        <p:txBody>
+          <a:bodyPr wrap="none" rtlCol="0">
+            <a:spAutoFit/>
+          </a:bodyPr>
+          <a:lstStyle/>
+          <a:p>
+            <a:pPr algn="ctr"/>
+            <a:r>
+              <a:rPr lang="en-US" altLang="zh-CN" b="1" dirty="0">
+                <a:latin typeface="Arial Black" panose="020B0A04020102020204" pitchFamily="34" charset="0"/>
+              </a:rPr>
+              <a:t>1711362 </a:t>
+            </a:r>
+            <a:r>
+              <a:rPr lang="zh-CN" altLang="en-US" b="1" dirty="0">
+                <a:latin typeface="Arial Black" panose="020B0A04020102020204" pitchFamily="34" charset="0"/>
+              </a:rPr>
+              <a:t>刘莊；</a:t>
+            </a:r>
+            <a:r>
+              <a:rPr lang="en-US" altLang="zh-CN" b="1" dirty="0">
+                <a:latin typeface="Arial Black" panose="020B0A04020102020204" pitchFamily="34" charset="0"/>
+              </a:rPr>
+              <a:t>1711368 </a:t>
+            </a:r>
+            <a:r>
+              <a:rPr lang="zh-CN" altLang="en-US" b="1" dirty="0">
+                <a:latin typeface="Arial Black" panose="020B0A04020102020204" pitchFamily="34" charset="0"/>
+              </a:rPr>
+              <a:t>齐冲；</a:t>
+            </a:r>
+            <a:r>
+              <a:rPr lang="en-US" altLang="zh-CN" b="1" dirty="0">
+                <a:latin typeface="Arial Black" panose="020B0A04020102020204" pitchFamily="34" charset="0"/>
+              </a:rPr>
+              <a:t>1711363 </a:t>
+            </a:r>
+            <a:r>
+              <a:rPr lang="zh-CN" altLang="en-US" b="1" dirty="0">
+                <a:latin typeface="Arial Black" panose="020B0A04020102020204" pitchFamily="34" charset="0"/>
+              </a:rPr>
+              <a:t>吕晨霄</a:t>
+            </a:r>
+            <a:endParaRPr lang="en-US" altLang="zh-CN" b="1" dirty="0">
+              <a:latin typeface="Arial Black" panose="020B0A04020102020204" pitchFamily="34" charset="0"/>
+            </a:endParaRPr>
+          </a:p>
+          <a:p>
+            <a:pPr algn="ctr"/>
+            <a:r>
+              <a:rPr lang="en-US" altLang="zh-CN" b="1" dirty="0">
+                <a:latin typeface="Arial Black" panose="020B0A04020102020204" pitchFamily="34" charset="0"/>
+              </a:rPr>
+              <a:t>1711365 </a:t>
+            </a:r>
+            <a:r>
+              <a:rPr lang="zh-CN" altLang="en-US" b="1" dirty="0">
+                <a:latin typeface="Arial Black" panose="020B0A04020102020204" pitchFamily="34" charset="0"/>
+              </a:rPr>
+              <a:t>马福持；</a:t>
+            </a:r>
+            <a:r>
+              <a:rPr lang="en-US" altLang="zh-CN" b="1" dirty="0">
+                <a:latin typeface="Arial Black" panose="020B0A04020102020204" pitchFamily="34" charset="0"/>
+              </a:rPr>
+              <a:t>1711399 </a:t>
+            </a:r>
+            <a:r>
+              <a:rPr lang="zh-CN" altLang="en-US" b="1" dirty="0">
+                <a:latin typeface="Arial Black" panose="020B0A04020102020204" pitchFamily="34" charset="0"/>
+              </a:rPr>
+              <a:t>仪德智</a:t>
+            </a:r>
           </a:p>
         </p:txBody>
       </p:sp>

--- a/IBM区块链PPT.pptx
+++ b/IBM区块链PPT.pptx
@@ -5171,7 +5171,7 @@
                 </a:solidFill>
                 <a:cs typeface="Arial" panose="020B0604020202020204" pitchFamily="34" charset="0"/>
               </a:rPr>
-              <a:t>区块链小组汇报展示</a:t>
+              <a:t>网上商城小组汇报展示</a:t>
             </a:r>
           </a:p>
         </p:txBody>
@@ -6307,7 +6307,7 @@
                         <p:par>
                           <p:cTn id="37" fill="hold">
                             <p:stCondLst>
-                              <p:cond delay="2050"/>
+                              <p:cond delay="2100"/>
                             </p:stCondLst>
                             <p:childTnLst>
                               <p:par>
@@ -6345,7 +6345,7 @@
                         <p:par>
                           <p:cTn id="41" fill="hold">
                             <p:stCondLst>
-                              <p:cond delay="2550"/>
+                              <p:cond delay="2600"/>
                             </p:stCondLst>
                             <p:childTnLst>
                               <p:par>
@@ -16179,7 +16179,7 @@
                 <a:ea typeface="微软雅黑" panose="020B0503020204020204" pitchFamily="34" charset="-122"/>
                 <a:sym typeface="Arial" panose="020B0604020202020204" pitchFamily="34" charset="0"/>
               </a:rPr>
-              <a:t>刘莊、马福持</a:t>
+              <a:t>马福持、刘莊、齐冲</a:t>
             </a:r>
             <a:endParaRPr lang="es-ES_tradnl" sz="1707" dirty="0">
               <a:solidFill>
